--- a/TTD Workshop.pptx
+++ b/TTD Workshop.pptx
@@ -22,6 +22,9 @@
     <p:sldId id="273" r:id="rId16"/>
     <p:sldId id="274" r:id="rId17"/>
     <p:sldId id="275" r:id="rId18"/>
+    <p:sldId id="276" r:id="rId19"/>
+    <p:sldId id="278" r:id="rId20"/>
+    <p:sldId id="277" r:id="rId21"/>
   </p:sldIdLst>
   <p:sldSz cx="9144000" cy="6858000" type="screen4x3"/>
   <p:notesSz cx="6858000" cy="9144000"/>
@@ -304,7 +307,7 @@
           <a:p>
             <a:fld id="{EB7A139E-B62D-4372-94DE-37E3E8A9443E}" type="datetimeFigureOut">
               <a:rPr lang="en-GB" smtClean="0"/>
-              <a:t>22/10/2014</a:t>
+              <a:t>23/10/2014</a:t>
             </a:fld>
             <a:endParaRPr lang="en-GB"/>
           </a:p>
@@ -474,7 +477,7 @@
           <a:p>
             <a:fld id="{EB7A139E-B62D-4372-94DE-37E3E8A9443E}" type="datetimeFigureOut">
               <a:rPr lang="en-GB" smtClean="0"/>
-              <a:t>22/10/2014</a:t>
+              <a:t>23/10/2014</a:t>
             </a:fld>
             <a:endParaRPr lang="en-GB"/>
           </a:p>
@@ -654,7 +657,7 @@
           <a:p>
             <a:fld id="{EB7A139E-B62D-4372-94DE-37E3E8A9443E}" type="datetimeFigureOut">
               <a:rPr lang="en-GB" smtClean="0"/>
-              <a:t>22/10/2014</a:t>
+              <a:t>23/10/2014</a:t>
             </a:fld>
             <a:endParaRPr lang="en-GB"/>
           </a:p>
@@ -824,7 +827,7 @@
           <a:p>
             <a:fld id="{EB7A139E-B62D-4372-94DE-37E3E8A9443E}" type="datetimeFigureOut">
               <a:rPr lang="en-GB" smtClean="0"/>
-              <a:t>22/10/2014</a:t>
+              <a:t>23/10/2014</a:t>
             </a:fld>
             <a:endParaRPr lang="en-GB"/>
           </a:p>
@@ -1070,7 +1073,7 @@
           <a:p>
             <a:fld id="{EB7A139E-B62D-4372-94DE-37E3E8A9443E}" type="datetimeFigureOut">
               <a:rPr lang="en-GB" smtClean="0"/>
-              <a:t>22/10/2014</a:t>
+              <a:t>23/10/2014</a:t>
             </a:fld>
             <a:endParaRPr lang="en-GB"/>
           </a:p>
@@ -1358,7 +1361,7 @@
           <a:p>
             <a:fld id="{EB7A139E-B62D-4372-94DE-37E3E8A9443E}" type="datetimeFigureOut">
               <a:rPr lang="en-GB" smtClean="0"/>
-              <a:t>22/10/2014</a:t>
+              <a:t>23/10/2014</a:t>
             </a:fld>
             <a:endParaRPr lang="en-GB"/>
           </a:p>
@@ -1780,7 +1783,7 @@
           <a:p>
             <a:fld id="{EB7A139E-B62D-4372-94DE-37E3E8A9443E}" type="datetimeFigureOut">
               <a:rPr lang="en-GB" smtClean="0"/>
-              <a:t>22/10/2014</a:t>
+              <a:t>23/10/2014</a:t>
             </a:fld>
             <a:endParaRPr lang="en-GB"/>
           </a:p>
@@ -1898,7 +1901,7 @@
           <a:p>
             <a:fld id="{EB7A139E-B62D-4372-94DE-37E3E8A9443E}" type="datetimeFigureOut">
               <a:rPr lang="en-GB" smtClean="0"/>
-              <a:t>22/10/2014</a:t>
+              <a:t>23/10/2014</a:t>
             </a:fld>
             <a:endParaRPr lang="en-GB"/>
           </a:p>
@@ -1993,7 +1996,7 @@
           <a:p>
             <a:fld id="{EB7A139E-B62D-4372-94DE-37E3E8A9443E}" type="datetimeFigureOut">
               <a:rPr lang="en-GB" smtClean="0"/>
-              <a:t>22/10/2014</a:t>
+              <a:t>23/10/2014</a:t>
             </a:fld>
             <a:endParaRPr lang="en-GB"/>
           </a:p>
@@ -2270,7 +2273,7 @@
           <a:p>
             <a:fld id="{EB7A139E-B62D-4372-94DE-37E3E8A9443E}" type="datetimeFigureOut">
               <a:rPr lang="en-GB" smtClean="0"/>
-              <a:t>22/10/2014</a:t>
+              <a:t>23/10/2014</a:t>
             </a:fld>
             <a:endParaRPr lang="en-GB"/>
           </a:p>
@@ -2523,7 +2526,7 @@
           <a:p>
             <a:fld id="{EB7A139E-B62D-4372-94DE-37E3E8A9443E}" type="datetimeFigureOut">
               <a:rPr lang="en-GB" smtClean="0"/>
-              <a:t>22/10/2014</a:t>
+              <a:t>23/10/2014</a:t>
             </a:fld>
             <a:endParaRPr lang="en-GB"/>
           </a:p>
@@ -2739,7 +2742,7 @@
           <a:p>
             <a:fld id="{EB7A139E-B62D-4372-94DE-37E3E8A9443E}" type="datetimeFigureOut">
               <a:rPr lang="en-GB" smtClean="0"/>
-              <a:t>22/10/2014</a:t>
+              <a:t>23/10/2014</a:t>
             </a:fld>
             <a:endParaRPr lang="en-GB"/>
           </a:p>
@@ -5588,7 +5591,7 @@
 </p:sld>
 </file>
 
-<file path=ppt/slides/slide2.xml><?xml version="1.0" encoding="utf-8"?>
+<file path=ppt/slides/slide18.xml><?xml version="1.0" encoding="utf-8"?>
 <p:sld xmlns:a="http://schemas.openxmlformats.org/drawingml/2006/main" xmlns:r="http://schemas.openxmlformats.org/officeDocument/2006/relationships" xmlns:p="http://schemas.openxmlformats.org/presentationml/2006/main">
   <p:cSld>
     <p:spTree>
@@ -5605,39 +5608,6 @@
           <a:chExt cx="0" cy="0"/>
         </a:xfrm>
       </p:grpSpPr>
-      <p:sp>
-        <p:nvSpPr>
-          <p:cNvPr id="2" name="Title 1"/>
-          <p:cNvSpPr>
-            <a:spLocks noGrp="1"/>
-          </p:cNvSpPr>
-          <p:nvPr>
-            <p:ph type="ctrTitle"/>
-          </p:nvPr>
-        </p:nvSpPr>
-        <p:spPr/>
-        <p:txBody>
-          <a:bodyPr>
-            <a:normAutofit fontScale="90000"/>
-          </a:bodyPr>
-          <a:lstStyle/>
-          <a:p>
-            <a:r>
-              <a:rPr lang="en-GB" sz="6000" dirty="0" smtClean="0">
-                <a:solidFill>
-                  <a:schemeClr val="bg1"/>
-                </a:solidFill>
-              </a:rPr>
-              <a:t>How do you test your applications now?</a:t>
-            </a:r>
-            <a:endParaRPr lang="en-GB" sz="6000" dirty="0">
-              <a:solidFill>
-                <a:schemeClr val="bg1"/>
-              </a:solidFill>
-            </a:endParaRPr>
-          </a:p>
-        </p:txBody>
-      </p:sp>
       <p:pic>
         <p:nvPicPr>
           <p:cNvPr id="1026" name="Picture 2" descr="The ctmers logo"/>
@@ -5761,6 +5731,517 @@
       </p:pic>
       <p:sp>
         <p:nvSpPr>
+          <p:cNvPr id="9" name="Title 1"/>
+          <p:cNvSpPr>
+            <a:spLocks noGrp="1"/>
+          </p:cNvSpPr>
+          <p:nvPr>
+            <p:ph type="ctrTitle"/>
+          </p:nvPr>
+        </p:nvSpPr>
+        <p:spPr>
+          <a:xfrm>
+            <a:off x="685800" y="836712"/>
+            <a:ext cx="7772400" cy="1470025"/>
+          </a:xfrm>
+        </p:spPr>
+        <p:txBody>
+          <a:bodyPr>
+            <a:normAutofit/>
+          </a:bodyPr>
+          <a:lstStyle/>
+          <a:p>
+            <a:r>
+              <a:rPr lang="en-GB" sz="6000" dirty="0" smtClean="0">
+                <a:solidFill>
+                  <a:schemeClr val="bg1"/>
+                </a:solidFill>
+              </a:rPr>
+              <a:t>Questions</a:t>
+            </a:r>
+            <a:endParaRPr lang="en-GB" sz="6000" dirty="0">
+              <a:solidFill>
+                <a:schemeClr val="bg1"/>
+              </a:solidFill>
+            </a:endParaRPr>
+          </a:p>
+        </p:txBody>
+      </p:sp>
+    </p:spTree>
+    <p:extLst>
+      <p:ext uri="{BB962C8B-B14F-4D97-AF65-F5344CB8AC3E}">
+        <p14:creationId xmlns:p14="http://schemas.microsoft.com/office/powerpoint/2010/main" val="4257020504"/>
+      </p:ext>
+    </p:extLst>
+  </p:cSld>
+  <p:clrMapOvr>
+    <a:masterClrMapping/>
+  </p:clrMapOvr>
+  <p:timing>
+    <p:tnLst>
+      <p:par>
+        <p:cTn id="1" dur="indefinite" restart="never" nodeType="tmRoot"/>
+      </p:par>
+    </p:tnLst>
+  </p:timing>
+</p:sld>
+</file>
+
+<file path=ppt/slides/slide19.xml><?xml version="1.0" encoding="utf-8"?>
+<p:sld xmlns:a="http://schemas.openxmlformats.org/drawingml/2006/main" xmlns:r="http://schemas.openxmlformats.org/officeDocument/2006/relationships" xmlns:p="http://schemas.openxmlformats.org/presentationml/2006/main">
+  <p:cSld>
+    <p:spTree>
+      <p:nvGrpSpPr>
+        <p:cNvPr id="1" name=""/>
+        <p:cNvGrpSpPr/>
+        <p:nvPr/>
+      </p:nvGrpSpPr>
+      <p:grpSpPr>
+        <a:xfrm>
+          <a:off x="0" y="0"/>
+          <a:ext cx="0" cy="0"/>
+          <a:chOff x="0" y="0"/>
+          <a:chExt cx="0" cy="0"/>
+        </a:xfrm>
+      </p:grpSpPr>
+      <p:pic>
+        <p:nvPicPr>
+          <p:cNvPr id="1026" name="Picture 2" descr="The ctmers logo"/>
+          <p:cNvPicPr>
+            <a:picLocks noChangeAspect="1" noChangeArrowheads="1"/>
+          </p:cNvPicPr>
+          <p:nvPr/>
+        </p:nvPicPr>
+        <p:blipFill>
+          <a:blip r:embed="rId2">
+            <a:extLst>
+              <a:ext uri="{28A0092B-C50C-407E-A947-70E740481C1C}">
+                <a14:useLocalDpi xmlns:a14="http://schemas.microsoft.com/office/drawing/2010/main" val="0"/>
+              </a:ext>
+            </a:extLst>
+          </a:blip>
+          <a:srcRect/>
+          <a:stretch>
+            <a:fillRect/>
+          </a:stretch>
+        </p:blipFill>
+        <p:spPr bwMode="auto">
+          <a:xfrm>
+            <a:off x="179512" y="5793060"/>
+            <a:ext cx="1924050" cy="876300"/>
+          </a:xfrm>
+          <a:prstGeom prst="rect">
+            <a:avLst/>
+          </a:prstGeom>
+          <a:noFill/>
+          <a:extLst>
+            <a:ext uri="{909E8E84-426E-40DD-AFC4-6F175D3DCCD1}">
+              <a14:hiddenFill xmlns:a14="http://schemas.microsoft.com/office/drawing/2010/main">
+                <a:solidFill>
+                  <a:srgbClr val="FFFFFF"/>
+                </a:solidFill>
+              </a14:hiddenFill>
+            </a:ext>
+          </a:extLst>
+        </p:spPr>
+      </p:pic>
+      <p:pic>
+        <p:nvPicPr>
+          <p:cNvPr id="1028" name="Picture 4" descr="comparethemarket.com - the easier way to save"/>
+          <p:cNvPicPr>
+            <a:picLocks noChangeAspect="1" noChangeArrowheads="1"/>
+          </p:cNvPicPr>
+          <p:nvPr/>
+        </p:nvPicPr>
+        <p:blipFill>
+          <a:blip r:embed="rId3">
+            <a:extLst>
+              <a:ext uri="{28A0092B-C50C-407E-A947-70E740481C1C}">
+                <a14:useLocalDpi xmlns:a14="http://schemas.microsoft.com/office/drawing/2010/main" val="0"/>
+              </a:ext>
+            </a:extLst>
+          </a:blip>
+          <a:srcRect/>
+          <a:stretch>
+            <a:fillRect/>
+          </a:stretch>
+        </p:blipFill>
+        <p:spPr bwMode="auto">
+          <a:xfrm>
+            <a:off x="107504" y="188640"/>
+            <a:ext cx="3724275" cy="600076"/>
+          </a:xfrm>
+          <a:prstGeom prst="rect">
+            <a:avLst/>
+          </a:prstGeom>
+          <a:noFill/>
+          <a:extLst>
+            <a:ext uri="{909E8E84-426E-40DD-AFC4-6F175D3DCCD1}">
+              <a14:hiddenFill xmlns:a14="http://schemas.microsoft.com/office/drawing/2010/main">
+                <a:solidFill>
+                  <a:srgbClr val="FFFFFF"/>
+                </a:solidFill>
+              </a14:hiddenFill>
+            </a:ext>
+          </a:extLst>
+        </p:spPr>
+      </p:pic>
+      <p:pic>
+        <p:nvPicPr>
+          <p:cNvPr id="1030" name="Picture 6" descr="Edison"/>
+          <p:cNvPicPr>
+            <a:picLocks noChangeAspect="1" noChangeArrowheads="1"/>
+          </p:cNvPicPr>
+          <p:nvPr/>
+        </p:nvPicPr>
+        <p:blipFill rotWithShape="1">
+          <a:blip r:embed="rId4">
+            <a:extLst>
+              <a:ext uri="{28A0092B-C50C-407E-A947-70E740481C1C}">
+                <a14:useLocalDpi xmlns:a14="http://schemas.microsoft.com/office/drawing/2010/main" val="0"/>
+              </a:ext>
+            </a:extLst>
+          </a:blip>
+          <a:srcRect r="50000"/>
+          <a:stretch/>
+        </p:blipFill>
+        <p:spPr bwMode="auto">
+          <a:xfrm>
+            <a:off x="7866856" y="4747988"/>
+            <a:ext cx="990600" cy="1933576"/>
+          </a:xfrm>
+          <a:prstGeom prst="rect">
+            <a:avLst/>
+          </a:prstGeom>
+          <a:noFill/>
+          <a:extLst>
+            <a:ext uri="{909E8E84-426E-40DD-AFC4-6F175D3DCCD1}">
+              <a14:hiddenFill xmlns:a14="http://schemas.microsoft.com/office/drawing/2010/main">
+                <a:solidFill>
+                  <a:srgbClr val="FFFFFF"/>
+                </a:solidFill>
+              </a14:hiddenFill>
+            </a:ext>
+          </a:extLst>
+        </p:spPr>
+      </p:pic>
+      <p:sp>
+        <p:nvSpPr>
+          <p:cNvPr id="9" name="Title 1"/>
+          <p:cNvSpPr>
+            <a:spLocks noGrp="1"/>
+          </p:cNvSpPr>
+          <p:nvPr>
+            <p:ph type="ctrTitle"/>
+          </p:nvPr>
+        </p:nvSpPr>
+        <p:spPr>
+          <a:xfrm>
+            <a:off x="685800" y="836712"/>
+            <a:ext cx="7772400" cy="1470025"/>
+          </a:xfrm>
+        </p:spPr>
+        <p:txBody>
+          <a:bodyPr>
+            <a:normAutofit/>
+          </a:bodyPr>
+          <a:lstStyle/>
+          <a:p>
+            <a:r>
+              <a:rPr lang="en-GB" sz="6000" dirty="0" smtClean="0">
+                <a:solidFill>
+                  <a:schemeClr val="bg1"/>
+                </a:solidFill>
+              </a:rPr>
+              <a:t>What Next?</a:t>
+            </a:r>
+            <a:endParaRPr lang="en-GB" sz="6000" dirty="0">
+              <a:solidFill>
+                <a:schemeClr val="bg1"/>
+              </a:solidFill>
+            </a:endParaRPr>
+          </a:p>
+        </p:txBody>
+      </p:sp>
+      <p:sp>
+        <p:nvSpPr>
+          <p:cNvPr id="6" name="Subtitle 2"/>
+          <p:cNvSpPr>
+            <a:spLocks noGrp="1"/>
+          </p:cNvSpPr>
+          <p:nvPr>
+            <p:ph type="subTitle" idx="1"/>
+          </p:nvPr>
+        </p:nvSpPr>
+        <p:spPr>
+          <a:xfrm>
+            <a:off x="827584" y="2276872"/>
+            <a:ext cx="7488832" cy="3024336"/>
+          </a:xfrm>
+        </p:spPr>
+        <p:txBody>
+          <a:bodyPr>
+            <a:normAutofit/>
+          </a:bodyPr>
+          <a:lstStyle/>
+          <a:p>
+            <a:pPr marL="457200" indent="-457200" algn="l">
+              <a:buFont typeface="Arial" panose="020B0604020202020204" pitchFamily="34" charset="0"/>
+              <a:buChar char="•"/>
+            </a:pPr>
+            <a:r>
+              <a:rPr lang="en-GB" dirty="0" smtClean="0">
+                <a:solidFill>
+                  <a:schemeClr val="bg1"/>
+                </a:solidFill>
+              </a:rPr>
+              <a:t>The Test Triangle – We have focused on unit test</a:t>
+            </a:r>
+          </a:p>
+          <a:p>
+            <a:pPr marL="457200" indent="-457200" algn="l">
+              <a:buFont typeface="Arial" panose="020B0604020202020204" pitchFamily="34" charset="0"/>
+              <a:buChar char="•"/>
+            </a:pPr>
+            <a:r>
+              <a:rPr lang="en-GB" dirty="0">
+                <a:solidFill>
+                  <a:schemeClr val="bg1"/>
+                </a:solidFill>
+              </a:rPr>
+              <a:t>Let’s Play: </a:t>
+            </a:r>
+            <a:r>
+              <a:rPr lang="en-GB" sz="2000" dirty="0">
+                <a:solidFill>
+                  <a:schemeClr val="bg1"/>
+                </a:solidFill>
+              </a:rPr>
+              <a:t>http://www.jamesshore.com/Blog/Lets-Play</a:t>
+            </a:r>
+            <a:r>
+              <a:rPr lang="en-GB" sz="2000" dirty="0" smtClean="0">
+                <a:solidFill>
+                  <a:schemeClr val="bg1"/>
+                </a:solidFill>
+              </a:rPr>
+              <a:t>/</a:t>
+            </a:r>
+          </a:p>
+          <a:p>
+            <a:pPr algn="l"/>
+            <a:endParaRPr lang="en-GB" dirty="0" smtClean="0">
+              <a:solidFill>
+                <a:schemeClr val="bg1"/>
+              </a:solidFill>
+            </a:endParaRPr>
+          </a:p>
+          <a:p>
+            <a:pPr marL="457200" indent="-457200" algn="l">
+              <a:buFont typeface="Arial" panose="020B0604020202020204" pitchFamily="34" charset="0"/>
+              <a:buChar char="•"/>
+            </a:pPr>
+            <a:endParaRPr lang="en-GB" dirty="0" smtClean="0">
+              <a:solidFill>
+                <a:schemeClr val="bg1"/>
+              </a:solidFill>
+            </a:endParaRPr>
+          </a:p>
+        </p:txBody>
+      </p:sp>
+    </p:spTree>
+    <p:extLst>
+      <p:ext uri="{BB962C8B-B14F-4D97-AF65-F5344CB8AC3E}">
+        <p14:creationId xmlns:p14="http://schemas.microsoft.com/office/powerpoint/2010/main" val="2001144384"/>
+      </p:ext>
+    </p:extLst>
+  </p:cSld>
+  <p:clrMapOvr>
+    <a:masterClrMapping/>
+  </p:clrMapOvr>
+  <p:timing>
+    <p:tnLst>
+      <p:par>
+        <p:cTn id="1" dur="indefinite" restart="never" nodeType="tmRoot"/>
+      </p:par>
+    </p:tnLst>
+  </p:timing>
+</p:sld>
+</file>
+
+<file path=ppt/slides/slide2.xml><?xml version="1.0" encoding="utf-8"?>
+<p:sld xmlns:a="http://schemas.openxmlformats.org/drawingml/2006/main" xmlns:r="http://schemas.openxmlformats.org/officeDocument/2006/relationships" xmlns:p="http://schemas.openxmlformats.org/presentationml/2006/main">
+  <p:cSld>
+    <p:spTree>
+      <p:nvGrpSpPr>
+        <p:cNvPr id="1" name=""/>
+        <p:cNvGrpSpPr/>
+        <p:nvPr/>
+      </p:nvGrpSpPr>
+      <p:grpSpPr>
+        <a:xfrm>
+          <a:off x="0" y="0"/>
+          <a:ext cx="0" cy="0"/>
+          <a:chOff x="0" y="0"/>
+          <a:chExt cx="0" cy="0"/>
+        </a:xfrm>
+      </p:grpSpPr>
+      <p:sp>
+        <p:nvSpPr>
+          <p:cNvPr id="2" name="Title 1"/>
+          <p:cNvSpPr>
+            <a:spLocks noGrp="1"/>
+          </p:cNvSpPr>
+          <p:nvPr>
+            <p:ph type="ctrTitle"/>
+          </p:nvPr>
+        </p:nvSpPr>
+        <p:spPr/>
+        <p:txBody>
+          <a:bodyPr>
+            <a:normAutofit fontScale="90000"/>
+          </a:bodyPr>
+          <a:lstStyle/>
+          <a:p>
+            <a:r>
+              <a:rPr lang="en-GB" sz="6000" dirty="0" smtClean="0">
+                <a:solidFill>
+                  <a:schemeClr val="bg1"/>
+                </a:solidFill>
+              </a:rPr>
+              <a:t>How do you test your applications now?</a:t>
+            </a:r>
+            <a:endParaRPr lang="en-GB" sz="6000" dirty="0">
+              <a:solidFill>
+                <a:schemeClr val="bg1"/>
+              </a:solidFill>
+            </a:endParaRPr>
+          </a:p>
+        </p:txBody>
+      </p:sp>
+      <p:pic>
+        <p:nvPicPr>
+          <p:cNvPr id="1026" name="Picture 2" descr="The ctmers logo"/>
+          <p:cNvPicPr>
+            <a:picLocks noChangeAspect="1" noChangeArrowheads="1"/>
+          </p:cNvPicPr>
+          <p:nvPr/>
+        </p:nvPicPr>
+        <p:blipFill>
+          <a:blip r:embed="rId2">
+            <a:extLst>
+              <a:ext uri="{28A0092B-C50C-407E-A947-70E740481C1C}">
+                <a14:useLocalDpi xmlns:a14="http://schemas.microsoft.com/office/drawing/2010/main" val="0"/>
+              </a:ext>
+            </a:extLst>
+          </a:blip>
+          <a:srcRect/>
+          <a:stretch>
+            <a:fillRect/>
+          </a:stretch>
+        </p:blipFill>
+        <p:spPr bwMode="auto">
+          <a:xfrm>
+            <a:off x="179512" y="5793060"/>
+            <a:ext cx="1924050" cy="876300"/>
+          </a:xfrm>
+          <a:prstGeom prst="rect">
+            <a:avLst/>
+          </a:prstGeom>
+          <a:noFill/>
+          <a:extLst>
+            <a:ext uri="{909E8E84-426E-40DD-AFC4-6F175D3DCCD1}">
+              <a14:hiddenFill xmlns:a14="http://schemas.microsoft.com/office/drawing/2010/main">
+                <a:solidFill>
+                  <a:srgbClr val="FFFFFF"/>
+                </a:solidFill>
+              </a14:hiddenFill>
+            </a:ext>
+          </a:extLst>
+        </p:spPr>
+      </p:pic>
+      <p:pic>
+        <p:nvPicPr>
+          <p:cNvPr id="1028" name="Picture 4" descr="comparethemarket.com - the easier way to save"/>
+          <p:cNvPicPr>
+            <a:picLocks noChangeAspect="1" noChangeArrowheads="1"/>
+          </p:cNvPicPr>
+          <p:nvPr/>
+        </p:nvPicPr>
+        <p:blipFill>
+          <a:blip r:embed="rId3">
+            <a:extLst>
+              <a:ext uri="{28A0092B-C50C-407E-A947-70E740481C1C}">
+                <a14:useLocalDpi xmlns:a14="http://schemas.microsoft.com/office/drawing/2010/main" val="0"/>
+              </a:ext>
+            </a:extLst>
+          </a:blip>
+          <a:srcRect/>
+          <a:stretch>
+            <a:fillRect/>
+          </a:stretch>
+        </p:blipFill>
+        <p:spPr bwMode="auto">
+          <a:xfrm>
+            <a:off x="107504" y="188640"/>
+            <a:ext cx="3724275" cy="600076"/>
+          </a:xfrm>
+          <a:prstGeom prst="rect">
+            <a:avLst/>
+          </a:prstGeom>
+          <a:noFill/>
+          <a:extLst>
+            <a:ext uri="{909E8E84-426E-40DD-AFC4-6F175D3DCCD1}">
+              <a14:hiddenFill xmlns:a14="http://schemas.microsoft.com/office/drawing/2010/main">
+                <a:solidFill>
+                  <a:srgbClr val="FFFFFF"/>
+                </a:solidFill>
+              </a14:hiddenFill>
+            </a:ext>
+          </a:extLst>
+        </p:spPr>
+      </p:pic>
+      <p:pic>
+        <p:nvPicPr>
+          <p:cNvPr id="1030" name="Picture 6" descr="Edison"/>
+          <p:cNvPicPr>
+            <a:picLocks noChangeAspect="1" noChangeArrowheads="1"/>
+          </p:cNvPicPr>
+          <p:nvPr/>
+        </p:nvPicPr>
+        <p:blipFill rotWithShape="1">
+          <a:blip r:embed="rId4">
+            <a:extLst>
+              <a:ext uri="{28A0092B-C50C-407E-A947-70E740481C1C}">
+                <a14:useLocalDpi xmlns:a14="http://schemas.microsoft.com/office/drawing/2010/main" val="0"/>
+              </a:ext>
+            </a:extLst>
+          </a:blip>
+          <a:srcRect r="50000"/>
+          <a:stretch/>
+        </p:blipFill>
+        <p:spPr bwMode="auto">
+          <a:xfrm>
+            <a:off x="7866856" y="4747988"/>
+            <a:ext cx="990600" cy="1933576"/>
+          </a:xfrm>
+          <a:prstGeom prst="rect">
+            <a:avLst/>
+          </a:prstGeom>
+          <a:noFill/>
+          <a:extLst>
+            <a:ext uri="{909E8E84-426E-40DD-AFC4-6F175D3DCCD1}">
+              <a14:hiddenFill xmlns:a14="http://schemas.microsoft.com/office/drawing/2010/main">
+                <a:solidFill>
+                  <a:srgbClr val="FFFFFF"/>
+                </a:solidFill>
+              </a14:hiddenFill>
+            </a:ext>
+          </a:extLst>
+        </p:spPr>
+      </p:pic>
+      <p:sp>
+        <p:nvSpPr>
           <p:cNvPr id="4" name="Subtitle 3"/>
           <p:cNvSpPr>
             <a:spLocks noGrp="1"/>
@@ -5782,6 +6263,1392 @@
     <p:extLst>
       <p:ext uri="{BB962C8B-B14F-4D97-AF65-F5344CB8AC3E}">
         <p14:creationId xmlns:p14="http://schemas.microsoft.com/office/powerpoint/2010/main" val="2351593857"/>
+      </p:ext>
+    </p:extLst>
+  </p:cSld>
+  <p:clrMapOvr>
+    <a:masterClrMapping/>
+  </p:clrMapOvr>
+  <p:timing>
+    <p:tnLst>
+      <p:par>
+        <p:cTn id="1" dur="indefinite" restart="never" nodeType="tmRoot"/>
+      </p:par>
+    </p:tnLst>
+  </p:timing>
+</p:sld>
+</file>
+
+<file path=ppt/slides/slide20.xml><?xml version="1.0" encoding="utf-8"?>
+<p:sld xmlns:a="http://schemas.openxmlformats.org/drawingml/2006/main" xmlns:r="http://schemas.openxmlformats.org/officeDocument/2006/relationships" xmlns:p="http://schemas.openxmlformats.org/presentationml/2006/main">
+  <p:cSld>
+    <p:spTree>
+      <p:nvGrpSpPr>
+        <p:cNvPr id="1" name=""/>
+        <p:cNvGrpSpPr/>
+        <p:nvPr/>
+      </p:nvGrpSpPr>
+      <p:grpSpPr>
+        <a:xfrm>
+          <a:off x="0" y="0"/>
+          <a:ext cx="0" cy="0"/>
+          <a:chOff x="0" y="0"/>
+          <a:chExt cx="0" cy="0"/>
+        </a:xfrm>
+      </p:grpSpPr>
+      <p:pic>
+        <p:nvPicPr>
+          <p:cNvPr id="1026" name="Picture 2" descr="The ctmers logo"/>
+          <p:cNvPicPr>
+            <a:picLocks noChangeAspect="1" noChangeArrowheads="1"/>
+          </p:cNvPicPr>
+          <p:nvPr/>
+        </p:nvPicPr>
+        <p:blipFill>
+          <a:blip r:embed="rId2">
+            <a:extLst>
+              <a:ext uri="{28A0092B-C50C-407E-A947-70E740481C1C}">
+                <a14:useLocalDpi xmlns:a14="http://schemas.microsoft.com/office/drawing/2010/main" val="0"/>
+              </a:ext>
+            </a:extLst>
+          </a:blip>
+          <a:srcRect/>
+          <a:stretch>
+            <a:fillRect/>
+          </a:stretch>
+        </p:blipFill>
+        <p:spPr bwMode="auto">
+          <a:xfrm>
+            <a:off x="179512" y="5793060"/>
+            <a:ext cx="1924050" cy="876300"/>
+          </a:xfrm>
+          <a:prstGeom prst="rect">
+            <a:avLst/>
+          </a:prstGeom>
+          <a:noFill/>
+          <a:extLst>
+            <a:ext uri="{909E8E84-426E-40DD-AFC4-6F175D3DCCD1}">
+              <a14:hiddenFill xmlns:a14="http://schemas.microsoft.com/office/drawing/2010/main">
+                <a:solidFill>
+                  <a:srgbClr val="FFFFFF"/>
+                </a:solidFill>
+              </a14:hiddenFill>
+            </a:ext>
+          </a:extLst>
+        </p:spPr>
+      </p:pic>
+      <p:pic>
+        <p:nvPicPr>
+          <p:cNvPr id="1028" name="Picture 4" descr="comparethemarket.com - the easier way to save"/>
+          <p:cNvPicPr>
+            <a:picLocks noChangeAspect="1" noChangeArrowheads="1"/>
+          </p:cNvPicPr>
+          <p:nvPr/>
+        </p:nvPicPr>
+        <p:blipFill>
+          <a:blip r:embed="rId3">
+            <a:extLst>
+              <a:ext uri="{28A0092B-C50C-407E-A947-70E740481C1C}">
+                <a14:useLocalDpi xmlns:a14="http://schemas.microsoft.com/office/drawing/2010/main" val="0"/>
+              </a:ext>
+            </a:extLst>
+          </a:blip>
+          <a:srcRect/>
+          <a:stretch>
+            <a:fillRect/>
+          </a:stretch>
+        </p:blipFill>
+        <p:spPr bwMode="auto">
+          <a:xfrm>
+            <a:off x="107504" y="188640"/>
+            <a:ext cx="3724275" cy="600076"/>
+          </a:xfrm>
+          <a:prstGeom prst="rect">
+            <a:avLst/>
+          </a:prstGeom>
+          <a:noFill/>
+          <a:extLst>
+            <a:ext uri="{909E8E84-426E-40DD-AFC4-6F175D3DCCD1}">
+              <a14:hiddenFill xmlns:a14="http://schemas.microsoft.com/office/drawing/2010/main">
+                <a:solidFill>
+                  <a:srgbClr val="FFFFFF"/>
+                </a:solidFill>
+              </a14:hiddenFill>
+            </a:ext>
+          </a:extLst>
+        </p:spPr>
+      </p:pic>
+      <p:pic>
+        <p:nvPicPr>
+          <p:cNvPr id="1030" name="Picture 6" descr="Edison"/>
+          <p:cNvPicPr>
+            <a:picLocks noChangeAspect="1" noChangeArrowheads="1"/>
+          </p:cNvPicPr>
+          <p:nvPr/>
+        </p:nvPicPr>
+        <p:blipFill rotWithShape="1">
+          <a:blip r:embed="rId4">
+            <a:extLst>
+              <a:ext uri="{28A0092B-C50C-407E-A947-70E740481C1C}">
+                <a14:useLocalDpi xmlns:a14="http://schemas.microsoft.com/office/drawing/2010/main" val="0"/>
+              </a:ext>
+            </a:extLst>
+          </a:blip>
+          <a:srcRect r="50000"/>
+          <a:stretch/>
+        </p:blipFill>
+        <p:spPr bwMode="auto">
+          <a:xfrm>
+            <a:off x="7866856" y="4747988"/>
+            <a:ext cx="990600" cy="1933576"/>
+          </a:xfrm>
+          <a:prstGeom prst="rect">
+            <a:avLst/>
+          </a:prstGeom>
+          <a:noFill/>
+          <a:extLst>
+            <a:ext uri="{909E8E84-426E-40DD-AFC4-6F175D3DCCD1}">
+              <a14:hiddenFill xmlns:a14="http://schemas.microsoft.com/office/drawing/2010/main">
+                <a:solidFill>
+                  <a:srgbClr val="FFFFFF"/>
+                </a:solidFill>
+              </a14:hiddenFill>
+            </a:ext>
+          </a:extLst>
+        </p:spPr>
+      </p:pic>
+      <p:sp>
+        <p:nvSpPr>
+          <p:cNvPr id="9" name="Title 1"/>
+          <p:cNvSpPr>
+            <a:spLocks noGrp="1"/>
+          </p:cNvSpPr>
+          <p:nvPr>
+            <p:ph type="ctrTitle"/>
+          </p:nvPr>
+        </p:nvSpPr>
+        <p:spPr>
+          <a:xfrm>
+            <a:off x="685800" y="836712"/>
+            <a:ext cx="7772400" cy="1470025"/>
+          </a:xfrm>
+        </p:spPr>
+        <p:txBody>
+          <a:bodyPr>
+            <a:normAutofit/>
+          </a:bodyPr>
+          <a:lstStyle/>
+          <a:p>
+            <a:r>
+              <a:rPr lang="en-GB" sz="6000" dirty="0" smtClean="0">
+                <a:solidFill>
+                  <a:schemeClr val="bg1"/>
+                </a:solidFill>
+              </a:rPr>
+              <a:t>Follow Us</a:t>
+            </a:r>
+            <a:endParaRPr lang="en-GB" sz="6000" dirty="0">
+              <a:solidFill>
+                <a:schemeClr val="bg1"/>
+              </a:solidFill>
+            </a:endParaRPr>
+          </a:p>
+        </p:txBody>
+      </p:sp>
+      <p:sp>
+        <p:nvSpPr>
+          <p:cNvPr id="6" name="Subtitle 2"/>
+          <p:cNvSpPr>
+            <a:spLocks noGrp="1"/>
+          </p:cNvSpPr>
+          <p:nvPr>
+            <p:ph type="subTitle" idx="1"/>
+          </p:nvPr>
+        </p:nvSpPr>
+        <p:spPr>
+          <a:xfrm>
+            <a:off x="395536" y="2276872"/>
+            <a:ext cx="4032448" cy="648072"/>
+          </a:xfrm>
+        </p:spPr>
+        <p:txBody>
+          <a:bodyPr>
+            <a:normAutofit/>
+          </a:bodyPr>
+          <a:lstStyle/>
+          <a:p>
+            <a:r>
+              <a:rPr lang="en-GB" dirty="0" smtClean="0">
+                <a:solidFill>
+                  <a:schemeClr val="bg1"/>
+                </a:solidFill>
+              </a:rPr>
+              <a:t>Richard Rodriguez</a:t>
+            </a:r>
+          </a:p>
+          <a:p>
+            <a:endParaRPr lang="en-GB" sz="2000" dirty="0">
+              <a:solidFill>
+                <a:schemeClr val="bg1"/>
+              </a:solidFill>
+            </a:endParaRPr>
+          </a:p>
+          <a:p>
+            <a:endParaRPr lang="en-GB" sz="2000" dirty="0">
+              <a:solidFill>
+                <a:schemeClr val="bg1"/>
+              </a:solidFill>
+            </a:endParaRPr>
+          </a:p>
+        </p:txBody>
+      </p:sp>
+      <p:sp>
+        <p:nvSpPr>
+          <p:cNvPr id="7" name="Subtitle 2"/>
+          <p:cNvSpPr txBox="1">
+            <a:spLocks/>
+          </p:cNvSpPr>
+          <p:nvPr/>
+        </p:nvSpPr>
+        <p:spPr>
+          <a:xfrm>
+            <a:off x="4526260" y="2276872"/>
+            <a:ext cx="3934172" cy="648072"/>
+          </a:xfrm>
+          <a:prstGeom prst="rect">
+            <a:avLst/>
+          </a:prstGeom>
+        </p:spPr>
+        <p:txBody>
+          <a:bodyPr vert="horz" lIns="91440" tIns="45720" rIns="91440" bIns="45720" rtlCol="0">
+            <a:normAutofit/>
+          </a:bodyPr>
+          <a:lstStyle>
+            <a:lvl1pPr marL="0" indent="0" algn="ctr" defTabSz="914400" rtl="0" eaLnBrk="1" latinLnBrk="0" hangingPunct="1">
+              <a:spcBef>
+                <a:spcPct val="20000"/>
+              </a:spcBef>
+              <a:buFont typeface="Arial" panose="020B0604020202020204" pitchFamily="34" charset="0"/>
+              <a:buNone/>
+              <a:defRPr sz="3200" kern="1200">
+                <a:solidFill>
+                  <a:schemeClr val="tx1">
+                    <a:tint val="75000"/>
+                  </a:schemeClr>
+                </a:solidFill>
+                <a:latin typeface="+mn-lt"/>
+                <a:ea typeface="+mn-ea"/>
+                <a:cs typeface="+mn-cs"/>
+              </a:defRPr>
+            </a:lvl1pPr>
+            <a:lvl2pPr marL="457200" indent="0" algn="ctr" defTabSz="914400" rtl="0" eaLnBrk="1" latinLnBrk="0" hangingPunct="1">
+              <a:spcBef>
+                <a:spcPct val="20000"/>
+              </a:spcBef>
+              <a:buFont typeface="Arial" panose="020B0604020202020204" pitchFamily="34" charset="0"/>
+              <a:buNone/>
+              <a:defRPr sz="2800" kern="1200">
+                <a:solidFill>
+                  <a:schemeClr val="tx1">
+                    <a:tint val="75000"/>
+                  </a:schemeClr>
+                </a:solidFill>
+                <a:latin typeface="+mn-lt"/>
+                <a:ea typeface="+mn-ea"/>
+                <a:cs typeface="+mn-cs"/>
+              </a:defRPr>
+            </a:lvl2pPr>
+            <a:lvl3pPr marL="914400" indent="0" algn="ctr" defTabSz="914400" rtl="0" eaLnBrk="1" latinLnBrk="0" hangingPunct="1">
+              <a:spcBef>
+                <a:spcPct val="20000"/>
+              </a:spcBef>
+              <a:buFont typeface="Arial" panose="020B0604020202020204" pitchFamily="34" charset="0"/>
+              <a:buNone/>
+              <a:defRPr sz="2400" kern="1200">
+                <a:solidFill>
+                  <a:schemeClr val="tx1">
+                    <a:tint val="75000"/>
+                  </a:schemeClr>
+                </a:solidFill>
+                <a:latin typeface="+mn-lt"/>
+                <a:ea typeface="+mn-ea"/>
+                <a:cs typeface="+mn-cs"/>
+              </a:defRPr>
+            </a:lvl3pPr>
+            <a:lvl4pPr marL="1371600" indent="0" algn="ctr" defTabSz="914400" rtl="0" eaLnBrk="1" latinLnBrk="0" hangingPunct="1">
+              <a:spcBef>
+                <a:spcPct val="20000"/>
+              </a:spcBef>
+              <a:buFont typeface="Arial" panose="020B0604020202020204" pitchFamily="34" charset="0"/>
+              <a:buNone/>
+              <a:defRPr sz="2000" kern="1200">
+                <a:solidFill>
+                  <a:schemeClr val="tx1">
+                    <a:tint val="75000"/>
+                  </a:schemeClr>
+                </a:solidFill>
+                <a:latin typeface="+mn-lt"/>
+                <a:ea typeface="+mn-ea"/>
+                <a:cs typeface="+mn-cs"/>
+              </a:defRPr>
+            </a:lvl4pPr>
+            <a:lvl5pPr marL="1828800" indent="0" algn="ctr" defTabSz="914400" rtl="0" eaLnBrk="1" latinLnBrk="0" hangingPunct="1">
+              <a:spcBef>
+                <a:spcPct val="20000"/>
+              </a:spcBef>
+              <a:buFont typeface="Arial" panose="020B0604020202020204" pitchFamily="34" charset="0"/>
+              <a:buNone/>
+              <a:defRPr sz="2000" kern="1200">
+                <a:solidFill>
+                  <a:schemeClr val="tx1">
+                    <a:tint val="75000"/>
+                  </a:schemeClr>
+                </a:solidFill>
+                <a:latin typeface="+mn-lt"/>
+                <a:ea typeface="+mn-ea"/>
+                <a:cs typeface="+mn-cs"/>
+              </a:defRPr>
+            </a:lvl5pPr>
+            <a:lvl6pPr marL="2286000" indent="0" algn="ctr" defTabSz="914400" rtl="0" eaLnBrk="1" latinLnBrk="0" hangingPunct="1">
+              <a:spcBef>
+                <a:spcPct val="20000"/>
+              </a:spcBef>
+              <a:buFont typeface="Arial" panose="020B0604020202020204" pitchFamily="34" charset="0"/>
+              <a:buNone/>
+              <a:defRPr sz="2000" kern="1200">
+                <a:solidFill>
+                  <a:schemeClr val="tx1">
+                    <a:tint val="75000"/>
+                  </a:schemeClr>
+                </a:solidFill>
+                <a:latin typeface="+mn-lt"/>
+                <a:ea typeface="+mn-ea"/>
+                <a:cs typeface="+mn-cs"/>
+              </a:defRPr>
+            </a:lvl6pPr>
+            <a:lvl7pPr marL="2743200" indent="0" algn="ctr" defTabSz="914400" rtl="0" eaLnBrk="1" latinLnBrk="0" hangingPunct="1">
+              <a:spcBef>
+                <a:spcPct val="20000"/>
+              </a:spcBef>
+              <a:buFont typeface="Arial" panose="020B0604020202020204" pitchFamily="34" charset="0"/>
+              <a:buNone/>
+              <a:defRPr sz="2000" kern="1200">
+                <a:solidFill>
+                  <a:schemeClr val="tx1">
+                    <a:tint val="75000"/>
+                  </a:schemeClr>
+                </a:solidFill>
+                <a:latin typeface="+mn-lt"/>
+                <a:ea typeface="+mn-ea"/>
+                <a:cs typeface="+mn-cs"/>
+              </a:defRPr>
+            </a:lvl7pPr>
+            <a:lvl8pPr marL="3200400" indent="0" algn="ctr" defTabSz="914400" rtl="0" eaLnBrk="1" latinLnBrk="0" hangingPunct="1">
+              <a:spcBef>
+                <a:spcPct val="20000"/>
+              </a:spcBef>
+              <a:buFont typeface="Arial" panose="020B0604020202020204" pitchFamily="34" charset="0"/>
+              <a:buNone/>
+              <a:defRPr sz="2000" kern="1200">
+                <a:solidFill>
+                  <a:schemeClr val="tx1">
+                    <a:tint val="75000"/>
+                  </a:schemeClr>
+                </a:solidFill>
+                <a:latin typeface="+mn-lt"/>
+                <a:ea typeface="+mn-ea"/>
+                <a:cs typeface="+mn-cs"/>
+              </a:defRPr>
+            </a:lvl8pPr>
+            <a:lvl9pPr marL="3657600" indent="0" algn="ctr" defTabSz="914400" rtl="0" eaLnBrk="1" latinLnBrk="0" hangingPunct="1">
+              <a:spcBef>
+                <a:spcPct val="20000"/>
+              </a:spcBef>
+              <a:buFont typeface="Arial" panose="020B0604020202020204" pitchFamily="34" charset="0"/>
+              <a:buNone/>
+              <a:defRPr sz="2000" kern="1200">
+                <a:solidFill>
+                  <a:schemeClr val="tx1">
+                    <a:tint val="75000"/>
+                  </a:schemeClr>
+                </a:solidFill>
+                <a:latin typeface="+mn-lt"/>
+                <a:ea typeface="+mn-ea"/>
+                <a:cs typeface="+mn-cs"/>
+              </a:defRPr>
+            </a:lvl9pPr>
+          </a:lstStyle>
+          <a:p>
+            <a:r>
+              <a:rPr lang="en-GB" dirty="0" smtClean="0">
+                <a:solidFill>
+                  <a:schemeClr val="bg1"/>
+                </a:solidFill>
+              </a:rPr>
+              <a:t>Dave Cook</a:t>
+            </a:r>
+          </a:p>
+        </p:txBody>
+      </p:sp>
+      <p:sp>
+        <p:nvSpPr>
+          <p:cNvPr id="8" name="Subtitle 2"/>
+          <p:cNvSpPr txBox="1">
+            <a:spLocks/>
+          </p:cNvSpPr>
+          <p:nvPr/>
+        </p:nvSpPr>
+        <p:spPr>
+          <a:xfrm>
+            <a:off x="395536" y="2924944"/>
+            <a:ext cx="4032448" cy="648072"/>
+          </a:xfrm>
+          <a:prstGeom prst="rect">
+            <a:avLst/>
+          </a:prstGeom>
+        </p:spPr>
+        <p:txBody>
+          <a:bodyPr vert="horz" lIns="91440" tIns="45720" rIns="91440" bIns="45720" rtlCol="0">
+            <a:normAutofit lnSpcReduction="10000"/>
+          </a:bodyPr>
+          <a:lstStyle>
+            <a:lvl1pPr marL="0" indent="0" algn="ctr" defTabSz="914400" rtl="0" eaLnBrk="1" latinLnBrk="0" hangingPunct="1">
+              <a:spcBef>
+                <a:spcPct val="20000"/>
+              </a:spcBef>
+              <a:buFont typeface="Arial" panose="020B0604020202020204" pitchFamily="34" charset="0"/>
+              <a:buNone/>
+              <a:defRPr sz="3200" kern="1200">
+                <a:solidFill>
+                  <a:schemeClr val="tx1">
+                    <a:tint val="75000"/>
+                  </a:schemeClr>
+                </a:solidFill>
+                <a:latin typeface="+mn-lt"/>
+                <a:ea typeface="+mn-ea"/>
+                <a:cs typeface="+mn-cs"/>
+              </a:defRPr>
+            </a:lvl1pPr>
+            <a:lvl2pPr marL="457200" indent="0" algn="ctr" defTabSz="914400" rtl="0" eaLnBrk="1" latinLnBrk="0" hangingPunct="1">
+              <a:spcBef>
+                <a:spcPct val="20000"/>
+              </a:spcBef>
+              <a:buFont typeface="Arial" panose="020B0604020202020204" pitchFamily="34" charset="0"/>
+              <a:buNone/>
+              <a:defRPr sz="2800" kern="1200">
+                <a:solidFill>
+                  <a:schemeClr val="tx1">
+                    <a:tint val="75000"/>
+                  </a:schemeClr>
+                </a:solidFill>
+                <a:latin typeface="+mn-lt"/>
+                <a:ea typeface="+mn-ea"/>
+                <a:cs typeface="+mn-cs"/>
+              </a:defRPr>
+            </a:lvl2pPr>
+            <a:lvl3pPr marL="914400" indent="0" algn="ctr" defTabSz="914400" rtl="0" eaLnBrk="1" latinLnBrk="0" hangingPunct="1">
+              <a:spcBef>
+                <a:spcPct val="20000"/>
+              </a:spcBef>
+              <a:buFont typeface="Arial" panose="020B0604020202020204" pitchFamily="34" charset="0"/>
+              <a:buNone/>
+              <a:defRPr sz="2400" kern="1200">
+                <a:solidFill>
+                  <a:schemeClr val="tx1">
+                    <a:tint val="75000"/>
+                  </a:schemeClr>
+                </a:solidFill>
+                <a:latin typeface="+mn-lt"/>
+                <a:ea typeface="+mn-ea"/>
+                <a:cs typeface="+mn-cs"/>
+              </a:defRPr>
+            </a:lvl3pPr>
+            <a:lvl4pPr marL="1371600" indent="0" algn="ctr" defTabSz="914400" rtl="0" eaLnBrk="1" latinLnBrk="0" hangingPunct="1">
+              <a:spcBef>
+                <a:spcPct val="20000"/>
+              </a:spcBef>
+              <a:buFont typeface="Arial" panose="020B0604020202020204" pitchFamily="34" charset="0"/>
+              <a:buNone/>
+              <a:defRPr sz="2000" kern="1200">
+                <a:solidFill>
+                  <a:schemeClr val="tx1">
+                    <a:tint val="75000"/>
+                  </a:schemeClr>
+                </a:solidFill>
+                <a:latin typeface="+mn-lt"/>
+                <a:ea typeface="+mn-ea"/>
+                <a:cs typeface="+mn-cs"/>
+              </a:defRPr>
+            </a:lvl4pPr>
+            <a:lvl5pPr marL="1828800" indent="0" algn="ctr" defTabSz="914400" rtl="0" eaLnBrk="1" latinLnBrk="0" hangingPunct="1">
+              <a:spcBef>
+                <a:spcPct val="20000"/>
+              </a:spcBef>
+              <a:buFont typeface="Arial" panose="020B0604020202020204" pitchFamily="34" charset="0"/>
+              <a:buNone/>
+              <a:defRPr sz="2000" kern="1200">
+                <a:solidFill>
+                  <a:schemeClr val="tx1">
+                    <a:tint val="75000"/>
+                  </a:schemeClr>
+                </a:solidFill>
+                <a:latin typeface="+mn-lt"/>
+                <a:ea typeface="+mn-ea"/>
+                <a:cs typeface="+mn-cs"/>
+              </a:defRPr>
+            </a:lvl5pPr>
+            <a:lvl6pPr marL="2286000" indent="0" algn="ctr" defTabSz="914400" rtl="0" eaLnBrk="1" latinLnBrk="0" hangingPunct="1">
+              <a:spcBef>
+                <a:spcPct val="20000"/>
+              </a:spcBef>
+              <a:buFont typeface="Arial" panose="020B0604020202020204" pitchFamily="34" charset="0"/>
+              <a:buNone/>
+              <a:defRPr sz="2000" kern="1200">
+                <a:solidFill>
+                  <a:schemeClr val="tx1">
+                    <a:tint val="75000"/>
+                  </a:schemeClr>
+                </a:solidFill>
+                <a:latin typeface="+mn-lt"/>
+                <a:ea typeface="+mn-ea"/>
+                <a:cs typeface="+mn-cs"/>
+              </a:defRPr>
+            </a:lvl6pPr>
+            <a:lvl7pPr marL="2743200" indent="0" algn="ctr" defTabSz="914400" rtl="0" eaLnBrk="1" latinLnBrk="0" hangingPunct="1">
+              <a:spcBef>
+                <a:spcPct val="20000"/>
+              </a:spcBef>
+              <a:buFont typeface="Arial" panose="020B0604020202020204" pitchFamily="34" charset="0"/>
+              <a:buNone/>
+              <a:defRPr sz="2000" kern="1200">
+                <a:solidFill>
+                  <a:schemeClr val="tx1">
+                    <a:tint val="75000"/>
+                  </a:schemeClr>
+                </a:solidFill>
+                <a:latin typeface="+mn-lt"/>
+                <a:ea typeface="+mn-ea"/>
+                <a:cs typeface="+mn-cs"/>
+              </a:defRPr>
+            </a:lvl7pPr>
+            <a:lvl8pPr marL="3200400" indent="0" algn="ctr" defTabSz="914400" rtl="0" eaLnBrk="1" latinLnBrk="0" hangingPunct="1">
+              <a:spcBef>
+                <a:spcPct val="20000"/>
+              </a:spcBef>
+              <a:buFont typeface="Arial" panose="020B0604020202020204" pitchFamily="34" charset="0"/>
+              <a:buNone/>
+              <a:defRPr sz="2000" kern="1200">
+                <a:solidFill>
+                  <a:schemeClr val="tx1">
+                    <a:tint val="75000"/>
+                  </a:schemeClr>
+                </a:solidFill>
+                <a:latin typeface="+mn-lt"/>
+                <a:ea typeface="+mn-ea"/>
+                <a:cs typeface="+mn-cs"/>
+              </a:defRPr>
+            </a:lvl8pPr>
+            <a:lvl9pPr marL="3657600" indent="0" algn="ctr" defTabSz="914400" rtl="0" eaLnBrk="1" latinLnBrk="0" hangingPunct="1">
+              <a:spcBef>
+                <a:spcPct val="20000"/>
+              </a:spcBef>
+              <a:buFont typeface="Arial" panose="020B0604020202020204" pitchFamily="34" charset="0"/>
+              <a:buNone/>
+              <a:defRPr sz="2000" kern="1200">
+                <a:solidFill>
+                  <a:schemeClr val="tx1">
+                    <a:tint val="75000"/>
+                  </a:schemeClr>
+                </a:solidFill>
+                <a:latin typeface="+mn-lt"/>
+                <a:ea typeface="+mn-ea"/>
+                <a:cs typeface="+mn-cs"/>
+              </a:defRPr>
+            </a:lvl9pPr>
+          </a:lstStyle>
+          <a:p>
+            <a:r>
+              <a:rPr lang="en-GB" sz="2000" dirty="0">
+                <a:solidFill>
+                  <a:schemeClr val="bg1"/>
+                </a:solidFill>
+              </a:rPr>
+              <a:t>http://tech.comparethemarket.com/author/richard-rodriguez/</a:t>
+            </a:r>
+          </a:p>
+        </p:txBody>
+      </p:sp>
+      <p:sp>
+        <p:nvSpPr>
+          <p:cNvPr id="10" name="Subtitle 2"/>
+          <p:cNvSpPr txBox="1">
+            <a:spLocks/>
+          </p:cNvSpPr>
+          <p:nvPr/>
+        </p:nvSpPr>
+        <p:spPr>
+          <a:xfrm>
+            <a:off x="4427984" y="2924944"/>
+            <a:ext cx="4032448" cy="648072"/>
+          </a:xfrm>
+          <a:prstGeom prst="rect">
+            <a:avLst/>
+          </a:prstGeom>
+        </p:spPr>
+        <p:txBody>
+          <a:bodyPr vert="horz" lIns="91440" tIns="45720" rIns="91440" bIns="45720" rtlCol="0">
+            <a:normAutofit lnSpcReduction="10000"/>
+          </a:bodyPr>
+          <a:lstStyle>
+            <a:lvl1pPr marL="0" indent="0" algn="ctr" defTabSz="914400" rtl="0" eaLnBrk="1" latinLnBrk="0" hangingPunct="1">
+              <a:spcBef>
+                <a:spcPct val="20000"/>
+              </a:spcBef>
+              <a:buFont typeface="Arial" panose="020B0604020202020204" pitchFamily="34" charset="0"/>
+              <a:buNone/>
+              <a:defRPr sz="3200" kern="1200">
+                <a:solidFill>
+                  <a:schemeClr val="tx1">
+                    <a:tint val="75000"/>
+                  </a:schemeClr>
+                </a:solidFill>
+                <a:latin typeface="+mn-lt"/>
+                <a:ea typeface="+mn-ea"/>
+                <a:cs typeface="+mn-cs"/>
+              </a:defRPr>
+            </a:lvl1pPr>
+            <a:lvl2pPr marL="457200" indent="0" algn="ctr" defTabSz="914400" rtl="0" eaLnBrk="1" latinLnBrk="0" hangingPunct="1">
+              <a:spcBef>
+                <a:spcPct val="20000"/>
+              </a:spcBef>
+              <a:buFont typeface="Arial" panose="020B0604020202020204" pitchFamily="34" charset="0"/>
+              <a:buNone/>
+              <a:defRPr sz="2800" kern="1200">
+                <a:solidFill>
+                  <a:schemeClr val="tx1">
+                    <a:tint val="75000"/>
+                  </a:schemeClr>
+                </a:solidFill>
+                <a:latin typeface="+mn-lt"/>
+                <a:ea typeface="+mn-ea"/>
+                <a:cs typeface="+mn-cs"/>
+              </a:defRPr>
+            </a:lvl2pPr>
+            <a:lvl3pPr marL="914400" indent="0" algn="ctr" defTabSz="914400" rtl="0" eaLnBrk="1" latinLnBrk="0" hangingPunct="1">
+              <a:spcBef>
+                <a:spcPct val="20000"/>
+              </a:spcBef>
+              <a:buFont typeface="Arial" panose="020B0604020202020204" pitchFamily="34" charset="0"/>
+              <a:buNone/>
+              <a:defRPr sz="2400" kern="1200">
+                <a:solidFill>
+                  <a:schemeClr val="tx1">
+                    <a:tint val="75000"/>
+                  </a:schemeClr>
+                </a:solidFill>
+                <a:latin typeface="+mn-lt"/>
+                <a:ea typeface="+mn-ea"/>
+                <a:cs typeface="+mn-cs"/>
+              </a:defRPr>
+            </a:lvl3pPr>
+            <a:lvl4pPr marL="1371600" indent="0" algn="ctr" defTabSz="914400" rtl="0" eaLnBrk="1" latinLnBrk="0" hangingPunct="1">
+              <a:spcBef>
+                <a:spcPct val="20000"/>
+              </a:spcBef>
+              <a:buFont typeface="Arial" panose="020B0604020202020204" pitchFamily="34" charset="0"/>
+              <a:buNone/>
+              <a:defRPr sz="2000" kern="1200">
+                <a:solidFill>
+                  <a:schemeClr val="tx1">
+                    <a:tint val="75000"/>
+                  </a:schemeClr>
+                </a:solidFill>
+                <a:latin typeface="+mn-lt"/>
+                <a:ea typeface="+mn-ea"/>
+                <a:cs typeface="+mn-cs"/>
+              </a:defRPr>
+            </a:lvl4pPr>
+            <a:lvl5pPr marL="1828800" indent="0" algn="ctr" defTabSz="914400" rtl="0" eaLnBrk="1" latinLnBrk="0" hangingPunct="1">
+              <a:spcBef>
+                <a:spcPct val="20000"/>
+              </a:spcBef>
+              <a:buFont typeface="Arial" panose="020B0604020202020204" pitchFamily="34" charset="0"/>
+              <a:buNone/>
+              <a:defRPr sz="2000" kern="1200">
+                <a:solidFill>
+                  <a:schemeClr val="tx1">
+                    <a:tint val="75000"/>
+                  </a:schemeClr>
+                </a:solidFill>
+                <a:latin typeface="+mn-lt"/>
+                <a:ea typeface="+mn-ea"/>
+                <a:cs typeface="+mn-cs"/>
+              </a:defRPr>
+            </a:lvl5pPr>
+            <a:lvl6pPr marL="2286000" indent="0" algn="ctr" defTabSz="914400" rtl="0" eaLnBrk="1" latinLnBrk="0" hangingPunct="1">
+              <a:spcBef>
+                <a:spcPct val="20000"/>
+              </a:spcBef>
+              <a:buFont typeface="Arial" panose="020B0604020202020204" pitchFamily="34" charset="0"/>
+              <a:buNone/>
+              <a:defRPr sz="2000" kern="1200">
+                <a:solidFill>
+                  <a:schemeClr val="tx1">
+                    <a:tint val="75000"/>
+                  </a:schemeClr>
+                </a:solidFill>
+                <a:latin typeface="+mn-lt"/>
+                <a:ea typeface="+mn-ea"/>
+                <a:cs typeface="+mn-cs"/>
+              </a:defRPr>
+            </a:lvl6pPr>
+            <a:lvl7pPr marL="2743200" indent="0" algn="ctr" defTabSz="914400" rtl="0" eaLnBrk="1" latinLnBrk="0" hangingPunct="1">
+              <a:spcBef>
+                <a:spcPct val="20000"/>
+              </a:spcBef>
+              <a:buFont typeface="Arial" panose="020B0604020202020204" pitchFamily="34" charset="0"/>
+              <a:buNone/>
+              <a:defRPr sz="2000" kern="1200">
+                <a:solidFill>
+                  <a:schemeClr val="tx1">
+                    <a:tint val="75000"/>
+                  </a:schemeClr>
+                </a:solidFill>
+                <a:latin typeface="+mn-lt"/>
+                <a:ea typeface="+mn-ea"/>
+                <a:cs typeface="+mn-cs"/>
+              </a:defRPr>
+            </a:lvl7pPr>
+            <a:lvl8pPr marL="3200400" indent="0" algn="ctr" defTabSz="914400" rtl="0" eaLnBrk="1" latinLnBrk="0" hangingPunct="1">
+              <a:spcBef>
+                <a:spcPct val="20000"/>
+              </a:spcBef>
+              <a:buFont typeface="Arial" panose="020B0604020202020204" pitchFamily="34" charset="0"/>
+              <a:buNone/>
+              <a:defRPr sz="2000" kern="1200">
+                <a:solidFill>
+                  <a:schemeClr val="tx1">
+                    <a:tint val="75000"/>
+                  </a:schemeClr>
+                </a:solidFill>
+                <a:latin typeface="+mn-lt"/>
+                <a:ea typeface="+mn-ea"/>
+                <a:cs typeface="+mn-cs"/>
+              </a:defRPr>
+            </a:lvl8pPr>
+            <a:lvl9pPr marL="3657600" indent="0" algn="ctr" defTabSz="914400" rtl="0" eaLnBrk="1" latinLnBrk="0" hangingPunct="1">
+              <a:spcBef>
+                <a:spcPct val="20000"/>
+              </a:spcBef>
+              <a:buFont typeface="Arial" panose="020B0604020202020204" pitchFamily="34" charset="0"/>
+              <a:buNone/>
+              <a:defRPr sz="2000" kern="1200">
+                <a:solidFill>
+                  <a:schemeClr val="tx1">
+                    <a:tint val="75000"/>
+                  </a:schemeClr>
+                </a:solidFill>
+                <a:latin typeface="+mn-lt"/>
+                <a:ea typeface="+mn-ea"/>
+                <a:cs typeface="+mn-cs"/>
+              </a:defRPr>
+            </a:lvl9pPr>
+          </a:lstStyle>
+          <a:p>
+            <a:r>
+              <a:rPr lang="en-GB" sz="2000" dirty="0">
+                <a:solidFill>
+                  <a:schemeClr val="bg1"/>
+                </a:solidFill>
+              </a:rPr>
+              <a:t>http://tech.comparethemarket.com/author/dave-cook/</a:t>
+            </a:r>
+          </a:p>
+        </p:txBody>
+      </p:sp>
+      <p:sp>
+        <p:nvSpPr>
+          <p:cNvPr id="11" name="Subtitle 2"/>
+          <p:cNvSpPr txBox="1">
+            <a:spLocks/>
+          </p:cNvSpPr>
+          <p:nvPr/>
+        </p:nvSpPr>
+        <p:spPr>
+          <a:xfrm>
+            <a:off x="395536" y="3645024"/>
+            <a:ext cx="4032448" cy="648072"/>
+          </a:xfrm>
+          <a:prstGeom prst="rect">
+            <a:avLst/>
+          </a:prstGeom>
+        </p:spPr>
+        <p:txBody>
+          <a:bodyPr vert="horz" lIns="91440" tIns="45720" rIns="91440" bIns="45720" rtlCol="0">
+            <a:normAutofit/>
+          </a:bodyPr>
+          <a:lstStyle>
+            <a:lvl1pPr marL="0" indent="0" algn="ctr" defTabSz="914400" rtl="0" eaLnBrk="1" latinLnBrk="0" hangingPunct="1">
+              <a:spcBef>
+                <a:spcPct val="20000"/>
+              </a:spcBef>
+              <a:buFont typeface="Arial" panose="020B0604020202020204" pitchFamily="34" charset="0"/>
+              <a:buNone/>
+              <a:defRPr sz="3200" kern="1200">
+                <a:solidFill>
+                  <a:schemeClr val="tx1">
+                    <a:tint val="75000"/>
+                  </a:schemeClr>
+                </a:solidFill>
+                <a:latin typeface="+mn-lt"/>
+                <a:ea typeface="+mn-ea"/>
+                <a:cs typeface="+mn-cs"/>
+              </a:defRPr>
+            </a:lvl1pPr>
+            <a:lvl2pPr marL="457200" indent="0" algn="ctr" defTabSz="914400" rtl="0" eaLnBrk="1" latinLnBrk="0" hangingPunct="1">
+              <a:spcBef>
+                <a:spcPct val="20000"/>
+              </a:spcBef>
+              <a:buFont typeface="Arial" panose="020B0604020202020204" pitchFamily="34" charset="0"/>
+              <a:buNone/>
+              <a:defRPr sz="2800" kern="1200">
+                <a:solidFill>
+                  <a:schemeClr val="tx1">
+                    <a:tint val="75000"/>
+                  </a:schemeClr>
+                </a:solidFill>
+                <a:latin typeface="+mn-lt"/>
+                <a:ea typeface="+mn-ea"/>
+                <a:cs typeface="+mn-cs"/>
+              </a:defRPr>
+            </a:lvl2pPr>
+            <a:lvl3pPr marL="914400" indent="0" algn="ctr" defTabSz="914400" rtl="0" eaLnBrk="1" latinLnBrk="0" hangingPunct="1">
+              <a:spcBef>
+                <a:spcPct val="20000"/>
+              </a:spcBef>
+              <a:buFont typeface="Arial" panose="020B0604020202020204" pitchFamily="34" charset="0"/>
+              <a:buNone/>
+              <a:defRPr sz="2400" kern="1200">
+                <a:solidFill>
+                  <a:schemeClr val="tx1">
+                    <a:tint val="75000"/>
+                  </a:schemeClr>
+                </a:solidFill>
+                <a:latin typeface="+mn-lt"/>
+                <a:ea typeface="+mn-ea"/>
+                <a:cs typeface="+mn-cs"/>
+              </a:defRPr>
+            </a:lvl3pPr>
+            <a:lvl4pPr marL="1371600" indent="0" algn="ctr" defTabSz="914400" rtl="0" eaLnBrk="1" latinLnBrk="0" hangingPunct="1">
+              <a:spcBef>
+                <a:spcPct val="20000"/>
+              </a:spcBef>
+              <a:buFont typeface="Arial" panose="020B0604020202020204" pitchFamily="34" charset="0"/>
+              <a:buNone/>
+              <a:defRPr sz="2000" kern="1200">
+                <a:solidFill>
+                  <a:schemeClr val="tx1">
+                    <a:tint val="75000"/>
+                  </a:schemeClr>
+                </a:solidFill>
+                <a:latin typeface="+mn-lt"/>
+                <a:ea typeface="+mn-ea"/>
+                <a:cs typeface="+mn-cs"/>
+              </a:defRPr>
+            </a:lvl4pPr>
+            <a:lvl5pPr marL="1828800" indent="0" algn="ctr" defTabSz="914400" rtl="0" eaLnBrk="1" latinLnBrk="0" hangingPunct="1">
+              <a:spcBef>
+                <a:spcPct val="20000"/>
+              </a:spcBef>
+              <a:buFont typeface="Arial" panose="020B0604020202020204" pitchFamily="34" charset="0"/>
+              <a:buNone/>
+              <a:defRPr sz="2000" kern="1200">
+                <a:solidFill>
+                  <a:schemeClr val="tx1">
+                    <a:tint val="75000"/>
+                  </a:schemeClr>
+                </a:solidFill>
+                <a:latin typeface="+mn-lt"/>
+                <a:ea typeface="+mn-ea"/>
+                <a:cs typeface="+mn-cs"/>
+              </a:defRPr>
+            </a:lvl5pPr>
+            <a:lvl6pPr marL="2286000" indent="0" algn="ctr" defTabSz="914400" rtl="0" eaLnBrk="1" latinLnBrk="0" hangingPunct="1">
+              <a:spcBef>
+                <a:spcPct val="20000"/>
+              </a:spcBef>
+              <a:buFont typeface="Arial" panose="020B0604020202020204" pitchFamily="34" charset="0"/>
+              <a:buNone/>
+              <a:defRPr sz="2000" kern="1200">
+                <a:solidFill>
+                  <a:schemeClr val="tx1">
+                    <a:tint val="75000"/>
+                  </a:schemeClr>
+                </a:solidFill>
+                <a:latin typeface="+mn-lt"/>
+                <a:ea typeface="+mn-ea"/>
+                <a:cs typeface="+mn-cs"/>
+              </a:defRPr>
+            </a:lvl6pPr>
+            <a:lvl7pPr marL="2743200" indent="0" algn="ctr" defTabSz="914400" rtl="0" eaLnBrk="1" latinLnBrk="0" hangingPunct="1">
+              <a:spcBef>
+                <a:spcPct val="20000"/>
+              </a:spcBef>
+              <a:buFont typeface="Arial" panose="020B0604020202020204" pitchFamily="34" charset="0"/>
+              <a:buNone/>
+              <a:defRPr sz="2000" kern="1200">
+                <a:solidFill>
+                  <a:schemeClr val="tx1">
+                    <a:tint val="75000"/>
+                  </a:schemeClr>
+                </a:solidFill>
+                <a:latin typeface="+mn-lt"/>
+                <a:ea typeface="+mn-ea"/>
+                <a:cs typeface="+mn-cs"/>
+              </a:defRPr>
+            </a:lvl7pPr>
+            <a:lvl8pPr marL="3200400" indent="0" algn="ctr" defTabSz="914400" rtl="0" eaLnBrk="1" latinLnBrk="0" hangingPunct="1">
+              <a:spcBef>
+                <a:spcPct val="20000"/>
+              </a:spcBef>
+              <a:buFont typeface="Arial" panose="020B0604020202020204" pitchFamily="34" charset="0"/>
+              <a:buNone/>
+              <a:defRPr sz="2000" kern="1200">
+                <a:solidFill>
+                  <a:schemeClr val="tx1">
+                    <a:tint val="75000"/>
+                  </a:schemeClr>
+                </a:solidFill>
+                <a:latin typeface="+mn-lt"/>
+                <a:ea typeface="+mn-ea"/>
+                <a:cs typeface="+mn-cs"/>
+              </a:defRPr>
+            </a:lvl8pPr>
+            <a:lvl9pPr marL="3657600" indent="0" algn="ctr" defTabSz="914400" rtl="0" eaLnBrk="1" latinLnBrk="0" hangingPunct="1">
+              <a:spcBef>
+                <a:spcPct val="20000"/>
+              </a:spcBef>
+              <a:buFont typeface="Arial" panose="020B0604020202020204" pitchFamily="34" charset="0"/>
+              <a:buNone/>
+              <a:defRPr sz="2000" kern="1200">
+                <a:solidFill>
+                  <a:schemeClr val="tx1">
+                    <a:tint val="75000"/>
+                  </a:schemeClr>
+                </a:solidFill>
+                <a:latin typeface="+mn-lt"/>
+                <a:ea typeface="+mn-ea"/>
+                <a:cs typeface="+mn-cs"/>
+              </a:defRPr>
+            </a:lvl9pPr>
+          </a:lstStyle>
+          <a:p>
+            <a:r>
+              <a:rPr lang="en-GB" sz="2000" dirty="0" smtClean="0">
+                <a:solidFill>
+                  <a:schemeClr val="bg1"/>
+                </a:solidFill>
+              </a:rPr>
+              <a:t>@AyahuascaCrmny</a:t>
+            </a:r>
+            <a:endParaRPr lang="en-GB" sz="2000" dirty="0">
+              <a:solidFill>
+                <a:schemeClr val="bg1"/>
+              </a:solidFill>
+            </a:endParaRPr>
+          </a:p>
+        </p:txBody>
+      </p:sp>
+      <p:sp>
+        <p:nvSpPr>
+          <p:cNvPr id="12" name="Subtitle 2"/>
+          <p:cNvSpPr txBox="1">
+            <a:spLocks/>
+          </p:cNvSpPr>
+          <p:nvPr/>
+        </p:nvSpPr>
+        <p:spPr>
+          <a:xfrm>
+            <a:off x="4427984" y="3645024"/>
+            <a:ext cx="4032448" cy="648072"/>
+          </a:xfrm>
+          <a:prstGeom prst="rect">
+            <a:avLst/>
+          </a:prstGeom>
+        </p:spPr>
+        <p:txBody>
+          <a:bodyPr vert="horz" lIns="91440" tIns="45720" rIns="91440" bIns="45720" rtlCol="0">
+            <a:normAutofit/>
+          </a:bodyPr>
+          <a:lstStyle>
+            <a:lvl1pPr marL="0" indent="0" algn="ctr" defTabSz="914400" rtl="0" eaLnBrk="1" latinLnBrk="0" hangingPunct="1">
+              <a:spcBef>
+                <a:spcPct val="20000"/>
+              </a:spcBef>
+              <a:buFont typeface="Arial" panose="020B0604020202020204" pitchFamily="34" charset="0"/>
+              <a:buNone/>
+              <a:defRPr sz="3200" kern="1200">
+                <a:solidFill>
+                  <a:schemeClr val="tx1">
+                    <a:tint val="75000"/>
+                  </a:schemeClr>
+                </a:solidFill>
+                <a:latin typeface="+mn-lt"/>
+                <a:ea typeface="+mn-ea"/>
+                <a:cs typeface="+mn-cs"/>
+              </a:defRPr>
+            </a:lvl1pPr>
+            <a:lvl2pPr marL="457200" indent="0" algn="ctr" defTabSz="914400" rtl="0" eaLnBrk="1" latinLnBrk="0" hangingPunct="1">
+              <a:spcBef>
+                <a:spcPct val="20000"/>
+              </a:spcBef>
+              <a:buFont typeface="Arial" panose="020B0604020202020204" pitchFamily="34" charset="0"/>
+              <a:buNone/>
+              <a:defRPr sz="2800" kern="1200">
+                <a:solidFill>
+                  <a:schemeClr val="tx1">
+                    <a:tint val="75000"/>
+                  </a:schemeClr>
+                </a:solidFill>
+                <a:latin typeface="+mn-lt"/>
+                <a:ea typeface="+mn-ea"/>
+                <a:cs typeface="+mn-cs"/>
+              </a:defRPr>
+            </a:lvl2pPr>
+            <a:lvl3pPr marL="914400" indent="0" algn="ctr" defTabSz="914400" rtl="0" eaLnBrk="1" latinLnBrk="0" hangingPunct="1">
+              <a:spcBef>
+                <a:spcPct val="20000"/>
+              </a:spcBef>
+              <a:buFont typeface="Arial" panose="020B0604020202020204" pitchFamily="34" charset="0"/>
+              <a:buNone/>
+              <a:defRPr sz="2400" kern="1200">
+                <a:solidFill>
+                  <a:schemeClr val="tx1">
+                    <a:tint val="75000"/>
+                  </a:schemeClr>
+                </a:solidFill>
+                <a:latin typeface="+mn-lt"/>
+                <a:ea typeface="+mn-ea"/>
+                <a:cs typeface="+mn-cs"/>
+              </a:defRPr>
+            </a:lvl3pPr>
+            <a:lvl4pPr marL="1371600" indent="0" algn="ctr" defTabSz="914400" rtl="0" eaLnBrk="1" latinLnBrk="0" hangingPunct="1">
+              <a:spcBef>
+                <a:spcPct val="20000"/>
+              </a:spcBef>
+              <a:buFont typeface="Arial" panose="020B0604020202020204" pitchFamily="34" charset="0"/>
+              <a:buNone/>
+              <a:defRPr sz="2000" kern="1200">
+                <a:solidFill>
+                  <a:schemeClr val="tx1">
+                    <a:tint val="75000"/>
+                  </a:schemeClr>
+                </a:solidFill>
+                <a:latin typeface="+mn-lt"/>
+                <a:ea typeface="+mn-ea"/>
+                <a:cs typeface="+mn-cs"/>
+              </a:defRPr>
+            </a:lvl4pPr>
+            <a:lvl5pPr marL="1828800" indent="0" algn="ctr" defTabSz="914400" rtl="0" eaLnBrk="1" latinLnBrk="0" hangingPunct="1">
+              <a:spcBef>
+                <a:spcPct val="20000"/>
+              </a:spcBef>
+              <a:buFont typeface="Arial" panose="020B0604020202020204" pitchFamily="34" charset="0"/>
+              <a:buNone/>
+              <a:defRPr sz="2000" kern="1200">
+                <a:solidFill>
+                  <a:schemeClr val="tx1">
+                    <a:tint val="75000"/>
+                  </a:schemeClr>
+                </a:solidFill>
+                <a:latin typeface="+mn-lt"/>
+                <a:ea typeface="+mn-ea"/>
+                <a:cs typeface="+mn-cs"/>
+              </a:defRPr>
+            </a:lvl5pPr>
+            <a:lvl6pPr marL="2286000" indent="0" algn="ctr" defTabSz="914400" rtl="0" eaLnBrk="1" latinLnBrk="0" hangingPunct="1">
+              <a:spcBef>
+                <a:spcPct val="20000"/>
+              </a:spcBef>
+              <a:buFont typeface="Arial" panose="020B0604020202020204" pitchFamily="34" charset="0"/>
+              <a:buNone/>
+              <a:defRPr sz="2000" kern="1200">
+                <a:solidFill>
+                  <a:schemeClr val="tx1">
+                    <a:tint val="75000"/>
+                  </a:schemeClr>
+                </a:solidFill>
+                <a:latin typeface="+mn-lt"/>
+                <a:ea typeface="+mn-ea"/>
+                <a:cs typeface="+mn-cs"/>
+              </a:defRPr>
+            </a:lvl6pPr>
+            <a:lvl7pPr marL="2743200" indent="0" algn="ctr" defTabSz="914400" rtl="0" eaLnBrk="1" latinLnBrk="0" hangingPunct="1">
+              <a:spcBef>
+                <a:spcPct val="20000"/>
+              </a:spcBef>
+              <a:buFont typeface="Arial" panose="020B0604020202020204" pitchFamily="34" charset="0"/>
+              <a:buNone/>
+              <a:defRPr sz="2000" kern="1200">
+                <a:solidFill>
+                  <a:schemeClr val="tx1">
+                    <a:tint val="75000"/>
+                  </a:schemeClr>
+                </a:solidFill>
+                <a:latin typeface="+mn-lt"/>
+                <a:ea typeface="+mn-ea"/>
+                <a:cs typeface="+mn-cs"/>
+              </a:defRPr>
+            </a:lvl7pPr>
+            <a:lvl8pPr marL="3200400" indent="0" algn="ctr" defTabSz="914400" rtl="0" eaLnBrk="1" latinLnBrk="0" hangingPunct="1">
+              <a:spcBef>
+                <a:spcPct val="20000"/>
+              </a:spcBef>
+              <a:buFont typeface="Arial" panose="020B0604020202020204" pitchFamily="34" charset="0"/>
+              <a:buNone/>
+              <a:defRPr sz="2000" kern="1200">
+                <a:solidFill>
+                  <a:schemeClr val="tx1">
+                    <a:tint val="75000"/>
+                  </a:schemeClr>
+                </a:solidFill>
+                <a:latin typeface="+mn-lt"/>
+                <a:ea typeface="+mn-ea"/>
+                <a:cs typeface="+mn-cs"/>
+              </a:defRPr>
+            </a:lvl8pPr>
+            <a:lvl9pPr marL="3657600" indent="0" algn="ctr" defTabSz="914400" rtl="0" eaLnBrk="1" latinLnBrk="0" hangingPunct="1">
+              <a:spcBef>
+                <a:spcPct val="20000"/>
+              </a:spcBef>
+              <a:buFont typeface="Arial" panose="020B0604020202020204" pitchFamily="34" charset="0"/>
+              <a:buNone/>
+              <a:defRPr sz="2000" kern="1200">
+                <a:solidFill>
+                  <a:schemeClr val="tx1">
+                    <a:tint val="75000"/>
+                  </a:schemeClr>
+                </a:solidFill>
+                <a:latin typeface="+mn-lt"/>
+                <a:ea typeface="+mn-ea"/>
+                <a:cs typeface="+mn-cs"/>
+              </a:defRPr>
+            </a:lvl9pPr>
+          </a:lstStyle>
+          <a:p>
+            <a:r>
+              <a:rPr lang="en-GB" sz="2000" dirty="0" smtClean="0">
+                <a:solidFill>
+                  <a:schemeClr val="bg1"/>
+                </a:solidFill>
+              </a:rPr>
+              <a:t>@dcookie_1981</a:t>
+            </a:r>
+            <a:endParaRPr lang="en-GB" sz="2000" dirty="0">
+              <a:solidFill>
+                <a:schemeClr val="bg1"/>
+              </a:solidFill>
+            </a:endParaRPr>
+          </a:p>
+        </p:txBody>
+      </p:sp>
+      <p:sp>
+        <p:nvSpPr>
+          <p:cNvPr id="13" name="Subtitle 2"/>
+          <p:cNvSpPr txBox="1">
+            <a:spLocks/>
+          </p:cNvSpPr>
+          <p:nvPr/>
+        </p:nvSpPr>
+        <p:spPr>
+          <a:xfrm>
+            <a:off x="2469142" y="5785102"/>
+            <a:ext cx="4032448" cy="648072"/>
+          </a:xfrm>
+          <a:prstGeom prst="rect">
+            <a:avLst/>
+          </a:prstGeom>
+        </p:spPr>
+        <p:txBody>
+          <a:bodyPr vert="horz" lIns="91440" tIns="45720" rIns="91440" bIns="45720" rtlCol="0">
+            <a:normAutofit/>
+          </a:bodyPr>
+          <a:lstStyle>
+            <a:lvl1pPr marL="0" indent="0" algn="ctr" defTabSz="914400" rtl="0" eaLnBrk="1" latinLnBrk="0" hangingPunct="1">
+              <a:spcBef>
+                <a:spcPct val="20000"/>
+              </a:spcBef>
+              <a:buFont typeface="Arial" panose="020B0604020202020204" pitchFamily="34" charset="0"/>
+              <a:buNone/>
+              <a:defRPr sz="3200" kern="1200">
+                <a:solidFill>
+                  <a:schemeClr val="tx1">
+                    <a:tint val="75000"/>
+                  </a:schemeClr>
+                </a:solidFill>
+                <a:latin typeface="+mn-lt"/>
+                <a:ea typeface="+mn-ea"/>
+                <a:cs typeface="+mn-cs"/>
+              </a:defRPr>
+            </a:lvl1pPr>
+            <a:lvl2pPr marL="457200" indent="0" algn="ctr" defTabSz="914400" rtl="0" eaLnBrk="1" latinLnBrk="0" hangingPunct="1">
+              <a:spcBef>
+                <a:spcPct val="20000"/>
+              </a:spcBef>
+              <a:buFont typeface="Arial" panose="020B0604020202020204" pitchFamily="34" charset="0"/>
+              <a:buNone/>
+              <a:defRPr sz="2800" kern="1200">
+                <a:solidFill>
+                  <a:schemeClr val="tx1">
+                    <a:tint val="75000"/>
+                  </a:schemeClr>
+                </a:solidFill>
+                <a:latin typeface="+mn-lt"/>
+                <a:ea typeface="+mn-ea"/>
+                <a:cs typeface="+mn-cs"/>
+              </a:defRPr>
+            </a:lvl2pPr>
+            <a:lvl3pPr marL="914400" indent="0" algn="ctr" defTabSz="914400" rtl="0" eaLnBrk="1" latinLnBrk="0" hangingPunct="1">
+              <a:spcBef>
+                <a:spcPct val="20000"/>
+              </a:spcBef>
+              <a:buFont typeface="Arial" panose="020B0604020202020204" pitchFamily="34" charset="0"/>
+              <a:buNone/>
+              <a:defRPr sz="2400" kern="1200">
+                <a:solidFill>
+                  <a:schemeClr val="tx1">
+                    <a:tint val="75000"/>
+                  </a:schemeClr>
+                </a:solidFill>
+                <a:latin typeface="+mn-lt"/>
+                <a:ea typeface="+mn-ea"/>
+                <a:cs typeface="+mn-cs"/>
+              </a:defRPr>
+            </a:lvl3pPr>
+            <a:lvl4pPr marL="1371600" indent="0" algn="ctr" defTabSz="914400" rtl="0" eaLnBrk="1" latinLnBrk="0" hangingPunct="1">
+              <a:spcBef>
+                <a:spcPct val="20000"/>
+              </a:spcBef>
+              <a:buFont typeface="Arial" panose="020B0604020202020204" pitchFamily="34" charset="0"/>
+              <a:buNone/>
+              <a:defRPr sz="2000" kern="1200">
+                <a:solidFill>
+                  <a:schemeClr val="tx1">
+                    <a:tint val="75000"/>
+                  </a:schemeClr>
+                </a:solidFill>
+                <a:latin typeface="+mn-lt"/>
+                <a:ea typeface="+mn-ea"/>
+                <a:cs typeface="+mn-cs"/>
+              </a:defRPr>
+            </a:lvl4pPr>
+            <a:lvl5pPr marL="1828800" indent="0" algn="ctr" defTabSz="914400" rtl="0" eaLnBrk="1" latinLnBrk="0" hangingPunct="1">
+              <a:spcBef>
+                <a:spcPct val="20000"/>
+              </a:spcBef>
+              <a:buFont typeface="Arial" panose="020B0604020202020204" pitchFamily="34" charset="0"/>
+              <a:buNone/>
+              <a:defRPr sz="2000" kern="1200">
+                <a:solidFill>
+                  <a:schemeClr val="tx1">
+                    <a:tint val="75000"/>
+                  </a:schemeClr>
+                </a:solidFill>
+                <a:latin typeface="+mn-lt"/>
+                <a:ea typeface="+mn-ea"/>
+                <a:cs typeface="+mn-cs"/>
+              </a:defRPr>
+            </a:lvl5pPr>
+            <a:lvl6pPr marL="2286000" indent="0" algn="ctr" defTabSz="914400" rtl="0" eaLnBrk="1" latinLnBrk="0" hangingPunct="1">
+              <a:spcBef>
+                <a:spcPct val="20000"/>
+              </a:spcBef>
+              <a:buFont typeface="Arial" panose="020B0604020202020204" pitchFamily="34" charset="0"/>
+              <a:buNone/>
+              <a:defRPr sz="2000" kern="1200">
+                <a:solidFill>
+                  <a:schemeClr val="tx1">
+                    <a:tint val="75000"/>
+                  </a:schemeClr>
+                </a:solidFill>
+                <a:latin typeface="+mn-lt"/>
+                <a:ea typeface="+mn-ea"/>
+                <a:cs typeface="+mn-cs"/>
+              </a:defRPr>
+            </a:lvl6pPr>
+            <a:lvl7pPr marL="2743200" indent="0" algn="ctr" defTabSz="914400" rtl="0" eaLnBrk="1" latinLnBrk="0" hangingPunct="1">
+              <a:spcBef>
+                <a:spcPct val="20000"/>
+              </a:spcBef>
+              <a:buFont typeface="Arial" panose="020B0604020202020204" pitchFamily="34" charset="0"/>
+              <a:buNone/>
+              <a:defRPr sz="2000" kern="1200">
+                <a:solidFill>
+                  <a:schemeClr val="tx1">
+                    <a:tint val="75000"/>
+                  </a:schemeClr>
+                </a:solidFill>
+                <a:latin typeface="+mn-lt"/>
+                <a:ea typeface="+mn-ea"/>
+                <a:cs typeface="+mn-cs"/>
+              </a:defRPr>
+            </a:lvl7pPr>
+            <a:lvl8pPr marL="3200400" indent="0" algn="ctr" defTabSz="914400" rtl="0" eaLnBrk="1" latinLnBrk="0" hangingPunct="1">
+              <a:spcBef>
+                <a:spcPct val="20000"/>
+              </a:spcBef>
+              <a:buFont typeface="Arial" panose="020B0604020202020204" pitchFamily="34" charset="0"/>
+              <a:buNone/>
+              <a:defRPr sz="2000" kern="1200">
+                <a:solidFill>
+                  <a:schemeClr val="tx1">
+                    <a:tint val="75000"/>
+                  </a:schemeClr>
+                </a:solidFill>
+                <a:latin typeface="+mn-lt"/>
+                <a:ea typeface="+mn-ea"/>
+                <a:cs typeface="+mn-cs"/>
+              </a:defRPr>
+            </a:lvl8pPr>
+            <a:lvl9pPr marL="3657600" indent="0" algn="ctr" defTabSz="914400" rtl="0" eaLnBrk="1" latinLnBrk="0" hangingPunct="1">
+              <a:spcBef>
+                <a:spcPct val="20000"/>
+              </a:spcBef>
+              <a:buFont typeface="Arial" panose="020B0604020202020204" pitchFamily="34" charset="0"/>
+              <a:buNone/>
+              <a:defRPr sz="2000" kern="1200">
+                <a:solidFill>
+                  <a:schemeClr val="tx1">
+                    <a:tint val="75000"/>
+                  </a:schemeClr>
+                </a:solidFill>
+                <a:latin typeface="+mn-lt"/>
+                <a:ea typeface="+mn-ea"/>
+                <a:cs typeface="+mn-cs"/>
+              </a:defRPr>
+            </a:lvl9pPr>
+          </a:lstStyle>
+          <a:p>
+            <a:r>
+              <a:rPr lang="en-GB" sz="2000" dirty="0" smtClean="0">
+                <a:solidFill>
+                  <a:schemeClr val="bg1"/>
+                </a:solidFill>
+              </a:rPr>
+              <a:t>@thectmers</a:t>
+            </a:r>
+            <a:endParaRPr lang="en-GB" sz="2000" dirty="0">
+              <a:solidFill>
+                <a:schemeClr val="bg1"/>
+              </a:solidFill>
+            </a:endParaRPr>
+          </a:p>
+        </p:txBody>
+      </p:sp>
+    </p:spTree>
+    <p:extLst>
+      <p:ext uri="{BB962C8B-B14F-4D97-AF65-F5344CB8AC3E}">
+        <p14:creationId xmlns:p14="http://schemas.microsoft.com/office/powerpoint/2010/main" val="481918467"/>
       </p:ext>
     </p:extLst>
   </p:cSld>
